--- a/slides/2019 Externship Work Summary.pptx
+++ b/slides/2019 Externship Work Summary.pptx
@@ -5590,19 +5590,19 @@
           <a:p>
             <a:r>
               <a:rPr lang="en-US" dirty="0"/>
-              <a:t>When plotting the MAPEs obtained by the models on the new test set, the 53-node model is found to be best</a:t>
-            </a:r>
-          </a:p>
-          <a:p>
-            <a:r>
-              <a:rPr lang="en-US" dirty="0"/>
-              <a:t>With the knowledge we have, the 53-node model should generalize best to actual, non-augmented data</a:t>
-            </a:r>
-          </a:p>
-          <a:p>
-            <a:r>
-              <a:rPr lang="en-US" dirty="0"/>
-              <a:t>53-node model performance on earlier train/cross-validation:</a:t>
+              <a:t>When plotting the MAPEs obtained by the models on the new test set, the 54-node model is found to be best</a:t>
+            </a:r>
+          </a:p>
+          <a:p>
+            <a:r>
+              <a:rPr lang="en-US" dirty="0"/>
+              <a:t>With the knowledge we have, the 54-node model should generalize best to actual, non-augmented data</a:t>
+            </a:r>
+          </a:p>
+          <a:p>
+            <a:r>
+              <a:rPr lang="en-US" dirty="0"/>
+              <a:t>54-node model performance on earlier train/cross-validation:</a:t>
             </a:r>
           </a:p>
           <a:p>
@@ -5903,7 +5903,7 @@
           <a:p>
             <a:r>
               <a:rPr lang="en-US" dirty="0"/>
-              <a:t>Note for further investigation: the three predictions where the prediction value is &lt;= 1.4 and under-estimates the actual value (as seen on the graph to the right) are the last 3 rows in the output matrix, which correspond to the last 3 CONTCAR files from the folder 1000K</a:t>
+              <a:t>Note for further investigation: the three predictions where the prediction value is &lt;= 1.4 and under-estimates the actual value (as seen on the graph to the right) are the last 3 rows in the output matrix, which correspond to the last 3 CONTCAR files from the structure at 1000K</a:t>
             </a:r>
           </a:p>
           <a:p>
@@ -8731,7 +8731,7 @@
         <p:spPr>
           <a:xfrm>
             <a:off x="838200" y="1825625"/>
-            <a:ext cx="10515600" cy="4438988"/>
+            <a:ext cx="10515600" cy="4667250"/>
           </a:xfrm>
         </p:spPr>
         <p:txBody>
@@ -8825,6 +8825,13 @@
               <a:rPr lang="en-US" dirty="0"/>
               <a:t>Optimization algorithm: Adam</a:t>
             </a:r>
+          </a:p>
+          <a:p>
+            <a:r>
+              <a:rPr lang="en-US"/>
+              <a:t>2000 iterations</a:t>
+            </a:r>
+            <a:endParaRPr lang="en-US" dirty="0"/>
           </a:p>
         </p:txBody>
       </p:sp>
@@ -12198,131 +12205,12 @@
           <a:chExt cx="0" cy="0"/>
         </a:xfrm>
       </p:grpSpPr>
-      <p:sp>
-        <p:nvSpPr>
-          <p:cNvPr id="2" name="Title 1">
-            <a:extLst>
-              <a:ext uri="{FF2B5EF4-FFF2-40B4-BE49-F238E27FC236}">
-                <a16:creationId xmlns:a16="http://schemas.microsoft.com/office/drawing/2014/main" id="{E0CC78A9-D655-4EEA-8438-40EE3784B2E3}"/>
-              </a:ext>
-            </a:extLst>
-          </p:cNvPr>
-          <p:cNvSpPr>
-            <a:spLocks noGrp="1"/>
-          </p:cNvSpPr>
-          <p:nvPr>
-            <p:ph type="title"/>
-          </p:nvPr>
-        </p:nvSpPr>
-        <p:spPr/>
-        <p:txBody>
-          <a:bodyPr>
-            <a:normAutofit/>
-          </a:bodyPr>
-          <a:lstStyle/>
-          <a:p>
-            <a:r>
-              <a:rPr lang="en-US" dirty="0"/>
-              <a:t>Tools &amp; Hyperparameters to Improve Learning</a:t>
-            </a:r>
-          </a:p>
-        </p:txBody>
-      </p:sp>
-      <p:sp>
-        <p:nvSpPr>
-          <p:cNvPr id="3" name="Content Placeholder 2">
-            <a:extLst>
-              <a:ext uri="{FF2B5EF4-FFF2-40B4-BE49-F238E27FC236}">
-                <a16:creationId xmlns:a16="http://schemas.microsoft.com/office/drawing/2014/main" id="{4FC6F6B5-157A-4F2D-BD62-4F559DE729DB}"/>
-              </a:ext>
-            </a:extLst>
-          </p:cNvPr>
-          <p:cNvSpPr>
-            <a:spLocks noGrp="1"/>
-          </p:cNvSpPr>
-          <p:nvPr>
-            <p:ph idx="1"/>
-          </p:nvPr>
-        </p:nvSpPr>
-        <p:spPr>
-          <a:xfrm>
-            <a:off x="838200" y="1678141"/>
-            <a:ext cx="7011154" cy="4814734"/>
-          </a:xfrm>
-        </p:spPr>
-        <p:txBody>
-          <a:bodyPr>
-            <a:normAutofit fontScale="85000" lnSpcReduction="20000"/>
-          </a:bodyPr>
-          <a:lstStyle/>
-          <a:p>
-            <a:r>
-              <a:rPr lang="en-US" dirty="0"/>
-              <a:t>Learning rate</a:t>
-            </a:r>
-          </a:p>
-          <a:p>
-            <a:pPr lvl="1"/>
-            <a:r>
-              <a:rPr lang="en-US" dirty="0"/>
-              <a:t>How large of a gradient step the network takes at each iteration</a:t>
-            </a:r>
-          </a:p>
-          <a:p>
-            <a:pPr lvl="1"/>
-            <a:r>
-              <a:rPr lang="en-US" dirty="0"/>
-              <a:t>0.0003 found to train the most accurate models; 0.0001 as well, but slower convergence</a:t>
-            </a:r>
-          </a:p>
-          <a:p>
-            <a:r>
-              <a:rPr lang="en-US" dirty="0"/>
-              <a:t>Mini batch gradient descent</a:t>
-            </a:r>
-          </a:p>
-          <a:p>
-            <a:pPr lvl="1"/>
-            <a:r>
-              <a:rPr lang="en-US" dirty="0"/>
-              <a:t>On each step of gradient descent, rather than processing the entire training set at once, take a gradient step for every small ‘batch’ of the data</a:t>
-            </a:r>
-          </a:p>
-          <a:p>
-            <a:pPr lvl="1"/>
-            <a:r>
-              <a:rPr lang="en-US" dirty="0"/>
-              <a:t>Thus, in one epoch, it can take many more gradient steps, accelerating convergence</a:t>
-            </a:r>
-          </a:p>
-          <a:p>
-            <a:pPr lvl="1"/>
-            <a:r>
-              <a:rPr lang="en-US" dirty="0"/>
-              <a:t>With mini batch size of 16: cost function converges to minimum quickly, with low noise</a:t>
-            </a:r>
-          </a:p>
-          <a:p>
-            <a:r>
-              <a:rPr lang="en-US" dirty="0"/>
-              <a:t>Normalization of input data</a:t>
-            </a:r>
-          </a:p>
-          <a:p>
-            <a:pPr lvl="1"/>
-            <a:r>
-              <a:rPr lang="en-US" dirty="0"/>
-              <a:t>For each of the 170 energy levels (eV), normalize all data to have a mean of 0 and a variance of 1; facilitates training because all energy levels can be taken into equal consideration, rather than some outweighing others</a:t>
-            </a:r>
-          </a:p>
-        </p:txBody>
-      </p:sp>
       <p:pic>
         <p:nvPicPr>
-          <p:cNvPr id="1030" name="Picture 6" descr="Image result for neural network learning rate">
-            <a:extLst>
-              <a:ext uri="{FF2B5EF4-FFF2-40B4-BE49-F238E27FC236}">
-                <a16:creationId xmlns:a16="http://schemas.microsoft.com/office/drawing/2014/main" id="{3978F7E0-CFD9-4F74-B7A2-30C599C5183A}"/>
+          <p:cNvPr id="1032" name="Picture 8" descr="Image result for mini batch gradient descent">
+            <a:extLst>
+              <a:ext uri="{FF2B5EF4-FFF2-40B4-BE49-F238E27FC236}">
+                <a16:creationId xmlns:a16="http://schemas.microsoft.com/office/drawing/2014/main" id="{6C8821D6-3E76-4F07-B475-233E6CACA4FB}"/>
               </a:ext>
             </a:extLst>
           </p:cNvPr>
@@ -12346,8 +12234,8 @@
         </p:blipFill>
         <p:spPr bwMode="auto">
           <a:xfrm>
-            <a:off x="8124097" y="1591824"/>
-            <a:ext cx="3237526" cy="2920122"/>
+            <a:off x="7647832" y="4511946"/>
+            <a:ext cx="4171950" cy="2067596"/>
           </a:xfrm>
           <a:prstGeom prst="rect">
             <a:avLst/>
@@ -12364,12 +12252,131 @@
           </a:extLst>
         </p:spPr>
       </p:pic>
+      <p:sp>
+        <p:nvSpPr>
+          <p:cNvPr id="2" name="Title 1">
+            <a:extLst>
+              <a:ext uri="{FF2B5EF4-FFF2-40B4-BE49-F238E27FC236}">
+                <a16:creationId xmlns:a16="http://schemas.microsoft.com/office/drawing/2014/main" id="{E0CC78A9-D655-4EEA-8438-40EE3784B2E3}"/>
+              </a:ext>
+            </a:extLst>
+          </p:cNvPr>
+          <p:cNvSpPr>
+            <a:spLocks noGrp="1"/>
+          </p:cNvSpPr>
+          <p:nvPr>
+            <p:ph type="title"/>
+          </p:nvPr>
+        </p:nvSpPr>
+        <p:spPr/>
+        <p:txBody>
+          <a:bodyPr>
+            <a:normAutofit/>
+          </a:bodyPr>
+          <a:lstStyle/>
+          <a:p>
+            <a:r>
+              <a:rPr lang="en-US" dirty="0"/>
+              <a:t>Tools &amp; Hyperparameters to Improve Learning</a:t>
+            </a:r>
+          </a:p>
+        </p:txBody>
+      </p:sp>
+      <p:sp>
+        <p:nvSpPr>
+          <p:cNvPr id="3" name="Content Placeholder 2">
+            <a:extLst>
+              <a:ext uri="{FF2B5EF4-FFF2-40B4-BE49-F238E27FC236}">
+                <a16:creationId xmlns:a16="http://schemas.microsoft.com/office/drawing/2014/main" id="{4FC6F6B5-157A-4F2D-BD62-4F559DE729DB}"/>
+              </a:ext>
+            </a:extLst>
+          </p:cNvPr>
+          <p:cNvSpPr>
+            <a:spLocks noGrp="1"/>
+          </p:cNvSpPr>
+          <p:nvPr>
+            <p:ph idx="1"/>
+          </p:nvPr>
+        </p:nvSpPr>
+        <p:spPr>
+          <a:xfrm>
+            <a:off x="838200" y="1678141"/>
+            <a:ext cx="7011154" cy="4814734"/>
+          </a:xfrm>
+        </p:spPr>
+        <p:txBody>
+          <a:bodyPr>
+            <a:normAutofit fontScale="85000" lnSpcReduction="20000"/>
+          </a:bodyPr>
+          <a:lstStyle/>
+          <a:p>
+            <a:r>
+              <a:rPr lang="en-US" dirty="0"/>
+              <a:t>Learning rate</a:t>
+            </a:r>
+          </a:p>
+          <a:p>
+            <a:pPr lvl="1"/>
+            <a:r>
+              <a:rPr lang="en-US" dirty="0"/>
+              <a:t>How large of a gradient step the network takes at each iteration</a:t>
+            </a:r>
+          </a:p>
+          <a:p>
+            <a:pPr lvl="1"/>
+            <a:r>
+              <a:rPr lang="en-US" dirty="0"/>
+              <a:t>0.0003 found to train the most accurate models; 0.0001 as well, but slower convergence</a:t>
+            </a:r>
+          </a:p>
+          <a:p>
+            <a:r>
+              <a:rPr lang="en-US" dirty="0"/>
+              <a:t>Mini batch gradient descent</a:t>
+            </a:r>
+          </a:p>
+          <a:p>
+            <a:pPr lvl="1"/>
+            <a:r>
+              <a:rPr lang="en-US" dirty="0"/>
+              <a:t>On each step of gradient descent, rather than processing the entire training set at once, take a gradient step for every small ‘batch’ of the data</a:t>
+            </a:r>
+          </a:p>
+          <a:p>
+            <a:pPr lvl="1"/>
+            <a:r>
+              <a:rPr lang="en-US" dirty="0"/>
+              <a:t>Thus, in one epoch, it can take many more gradient steps, accelerating convergence</a:t>
+            </a:r>
+          </a:p>
+          <a:p>
+            <a:pPr lvl="1"/>
+            <a:r>
+              <a:rPr lang="en-US" dirty="0"/>
+              <a:t>With mini batch size of 16: cost function converges to minimum quickly, with low noise</a:t>
+            </a:r>
+          </a:p>
+          <a:p>
+            <a:r>
+              <a:rPr lang="en-US" dirty="0"/>
+              <a:t>Normalization of input data</a:t>
+            </a:r>
+          </a:p>
+          <a:p>
+            <a:pPr lvl="1"/>
+            <a:r>
+              <a:rPr lang="en-US" dirty="0"/>
+              <a:t>For each of the 170 energy levels (eV), normalize all data to have a mean of 0 and a variance of 1; facilitates training because all energy levels can be taken into equal consideration, rather than some outweighing others</a:t>
+            </a:r>
+          </a:p>
+        </p:txBody>
+      </p:sp>
       <p:pic>
         <p:nvPicPr>
-          <p:cNvPr id="1032" name="Picture 8" descr="Image result for mini batch gradient descent">
-            <a:extLst>
-              <a:ext uri="{FF2B5EF4-FFF2-40B4-BE49-F238E27FC236}">
-                <a16:creationId xmlns:a16="http://schemas.microsoft.com/office/drawing/2014/main" id="{6C8821D6-3E76-4F07-B475-233E6CACA4FB}"/>
+          <p:cNvPr id="1030" name="Picture 6" descr="Image result for neural network learning rate">
+            <a:extLst>
+              <a:ext uri="{FF2B5EF4-FFF2-40B4-BE49-F238E27FC236}">
+                <a16:creationId xmlns:a16="http://schemas.microsoft.com/office/drawing/2014/main" id="{3978F7E0-CFD9-4F74-B7A2-30C599C5183A}"/>
               </a:ext>
             </a:extLst>
           </p:cNvPr>
@@ -12393,8 +12400,8 @@
         </p:blipFill>
         <p:spPr bwMode="auto">
           <a:xfrm>
-            <a:off x="7656885" y="4511946"/>
-            <a:ext cx="4171950" cy="2067596"/>
+            <a:off x="8124097" y="1591824"/>
+            <a:ext cx="3237526" cy="2920122"/>
           </a:xfrm>
           <a:prstGeom prst="rect">
             <a:avLst/>
